--- a/ref/fig_pipeline.pptx
+++ b/ref/fig_pipeline.pptx
@@ -950,42 +950,6 @@
         </a:p>
       </dgm:t>
     </dgm:pt>
-    <dgm:pt modelId="{7E02B19B-875F-A544-A785-D88B2972DDE2}">
-      <dgm:prSet phldrT="[Text]"/>
-      <dgm:spPr/>
-      <dgm:t>
-        <a:bodyPr/>
-        <a:lstStyle/>
-        <a:p>
-          <a:r>
-            <a:rPr lang="en-US" dirty="0"/>
-            <a:t>If rise &lt; 10: aux-</a:t>
-          </a:r>
-        </a:p>
-      </dgm:t>
-    </dgm:pt>
-    <dgm:pt modelId="{2B2D730D-6577-8748-A8C2-D94603564BEC}" type="parTrans" cxnId="{FE826D21-5C99-F442-BBF0-9A1F432CA6F2}">
-      <dgm:prSet/>
-      <dgm:spPr/>
-      <dgm:t>
-        <a:bodyPr/>
-        <a:lstStyle/>
-        <a:p>
-          <a:endParaRPr lang="en-US"/>
-        </a:p>
-      </dgm:t>
-    </dgm:pt>
-    <dgm:pt modelId="{83D7D446-D08E-BE4C-BB8D-8DAF03C73587}" type="sibTrans" cxnId="{FE826D21-5C99-F442-BBF0-9A1F432CA6F2}">
-      <dgm:prSet/>
-      <dgm:spPr/>
-      <dgm:t>
-        <a:bodyPr/>
-        <a:lstStyle/>
-        <a:p>
-          <a:endParaRPr lang="en-US"/>
-        </a:p>
-      </dgm:t>
-    </dgm:pt>
     <dgm:pt modelId="{C53B8CE9-F0E6-8841-BF75-C43244585974}" type="pres">
       <dgm:prSet presAssocID="{27FFF153-B18B-1049-8198-600BBF2009C1}" presName="linear" presStyleCnt="0">
         <dgm:presLayoutVars>
@@ -1001,11 +965,11 @@
       <dgm:spPr/>
     </dgm:pt>
     <dgm:pt modelId="{DA8DEF1D-1FFC-B545-B86C-EF553866F8A0}" type="pres">
-      <dgm:prSet presAssocID="{D065AFE0-DFA7-E64B-B6A5-6336672DB48F}" presName="parentLeftMargin" presStyleLbl="node1" presStyleIdx="0" presStyleCnt="3"/>
+      <dgm:prSet presAssocID="{D065AFE0-DFA7-E64B-B6A5-6336672DB48F}" presName="parentLeftMargin" presStyleLbl="node1" presStyleIdx="0" presStyleCnt="2"/>
       <dgm:spPr/>
     </dgm:pt>
     <dgm:pt modelId="{CAF06BA8-A2F1-E442-BBD6-08BF3406B168}" type="pres">
-      <dgm:prSet presAssocID="{D065AFE0-DFA7-E64B-B6A5-6336672DB48F}" presName="parentText" presStyleLbl="node1" presStyleIdx="0" presStyleCnt="3">
+      <dgm:prSet presAssocID="{D065AFE0-DFA7-E64B-B6A5-6336672DB48F}" presName="parentText" presStyleLbl="node1" presStyleIdx="0" presStyleCnt="2">
         <dgm:presLayoutVars>
           <dgm:chMax val="0"/>
           <dgm:bulletEnabled val="1"/>
@@ -1018,7 +982,7 @@
       <dgm:spPr/>
     </dgm:pt>
     <dgm:pt modelId="{139232A1-9FCF-7543-8FCF-4BFDDD36E52A}" type="pres">
-      <dgm:prSet presAssocID="{D065AFE0-DFA7-E64B-B6A5-6336672DB48F}" presName="childText" presStyleLbl="conFgAcc1" presStyleIdx="0" presStyleCnt="3">
+      <dgm:prSet presAssocID="{D065AFE0-DFA7-E64B-B6A5-6336672DB48F}" presName="childText" presStyleLbl="conFgAcc1" presStyleIdx="0" presStyleCnt="2">
         <dgm:presLayoutVars>
           <dgm:bulletEnabled val="1"/>
         </dgm:presLayoutVars>
@@ -1034,11 +998,11 @@
       <dgm:spPr/>
     </dgm:pt>
     <dgm:pt modelId="{C52A3112-9275-E647-B322-8190539D2CD4}" type="pres">
-      <dgm:prSet presAssocID="{C399BD27-D357-1443-9020-38807989A8CC}" presName="parentLeftMargin" presStyleLbl="node1" presStyleIdx="0" presStyleCnt="3"/>
+      <dgm:prSet presAssocID="{C399BD27-D357-1443-9020-38807989A8CC}" presName="parentLeftMargin" presStyleLbl="node1" presStyleIdx="0" presStyleCnt="2"/>
       <dgm:spPr/>
     </dgm:pt>
     <dgm:pt modelId="{3264E624-3FCC-FC40-88C1-C62FD866389B}" type="pres">
-      <dgm:prSet presAssocID="{C399BD27-D357-1443-9020-38807989A8CC}" presName="parentText" presStyleLbl="node1" presStyleIdx="1" presStyleCnt="3">
+      <dgm:prSet presAssocID="{C399BD27-D357-1443-9020-38807989A8CC}" presName="parentText" presStyleLbl="node1" presStyleIdx="1" presStyleCnt="2">
         <dgm:presLayoutVars>
           <dgm:chMax val="0"/>
           <dgm:bulletEnabled val="1"/>
@@ -1051,40 +1015,7 @@
       <dgm:spPr/>
     </dgm:pt>
     <dgm:pt modelId="{B087BACF-6553-BB48-90FE-2102D47A7346}" type="pres">
-      <dgm:prSet presAssocID="{C399BD27-D357-1443-9020-38807989A8CC}" presName="childText" presStyleLbl="conFgAcc1" presStyleIdx="1" presStyleCnt="3">
-        <dgm:presLayoutVars>
-          <dgm:bulletEnabled val="1"/>
-        </dgm:presLayoutVars>
-      </dgm:prSet>
-      <dgm:spPr/>
-    </dgm:pt>
-    <dgm:pt modelId="{089692FB-49DF-E243-85A2-264AB79D2954}" type="pres">
-      <dgm:prSet presAssocID="{99ED02FF-CF42-FD48-BF70-6277486C532B}" presName="spaceBetweenRectangles" presStyleCnt="0"/>
-      <dgm:spPr/>
-    </dgm:pt>
-    <dgm:pt modelId="{9E8B8577-6224-E342-BB61-CD5D2DF2B86D}" type="pres">
-      <dgm:prSet presAssocID="{7E02B19B-875F-A544-A785-D88B2972DDE2}" presName="parentLin" presStyleCnt="0"/>
-      <dgm:spPr/>
-    </dgm:pt>
-    <dgm:pt modelId="{400F8658-789B-C845-90B7-2B345B4475CD}" type="pres">
-      <dgm:prSet presAssocID="{7E02B19B-875F-A544-A785-D88B2972DDE2}" presName="parentLeftMargin" presStyleLbl="node1" presStyleIdx="1" presStyleCnt="3"/>
-      <dgm:spPr/>
-    </dgm:pt>
-    <dgm:pt modelId="{E797945E-918F-6E41-A389-074414482B95}" type="pres">
-      <dgm:prSet presAssocID="{7E02B19B-875F-A544-A785-D88B2972DDE2}" presName="parentText" presStyleLbl="node1" presStyleIdx="2" presStyleCnt="3">
-        <dgm:presLayoutVars>
-          <dgm:chMax val="0"/>
-          <dgm:bulletEnabled val="1"/>
-        </dgm:presLayoutVars>
-      </dgm:prSet>
-      <dgm:spPr/>
-    </dgm:pt>
-    <dgm:pt modelId="{162FA8A4-1BD1-FB4D-90A9-C520810EF94A}" type="pres">
-      <dgm:prSet presAssocID="{7E02B19B-875F-A544-A785-D88B2972DDE2}" presName="negativeSpace" presStyleCnt="0"/>
-      <dgm:spPr/>
-    </dgm:pt>
-    <dgm:pt modelId="{54E66740-26A5-664F-8C84-912884265702}" type="pres">
-      <dgm:prSet presAssocID="{7E02B19B-875F-A544-A785-D88B2972DDE2}" presName="childText" presStyleLbl="conFgAcc1" presStyleIdx="2" presStyleCnt="3">
+      <dgm:prSet presAssocID="{C399BD27-D357-1443-9020-38807989A8CC}" presName="childText" presStyleLbl="conFgAcc1" presStyleIdx="1" presStyleCnt="2">
         <dgm:presLayoutVars>
           <dgm:bulletEnabled val="1"/>
         </dgm:presLayoutVars>
@@ -1093,15 +1024,12 @@
     </dgm:pt>
   </dgm:ptLst>
   <dgm:cxnLst>
-    <dgm:cxn modelId="{FE826D21-5C99-F442-BBF0-9A1F432CA6F2}" srcId="{27FFF153-B18B-1049-8198-600BBF2009C1}" destId="{7E02B19B-875F-A544-A785-D88B2972DDE2}" srcOrd="2" destOrd="0" parTransId="{2B2D730D-6577-8748-A8C2-D94603564BEC}" sibTransId="{83D7D446-D08E-BE4C-BB8D-8DAF03C73587}"/>
     <dgm:cxn modelId="{AF4E782C-F4B5-3A43-8CEA-3BD50A7AFE01}" srcId="{27FFF153-B18B-1049-8198-600BBF2009C1}" destId="{C399BD27-D357-1443-9020-38807989A8CC}" srcOrd="1" destOrd="0" parTransId="{BA4D2DCB-544B-BE4B-9DB0-BBB305F73314}" sibTransId="{99ED02FF-CF42-FD48-BF70-6277486C532B}"/>
-    <dgm:cxn modelId="{88EBD265-C5CC-8946-85F8-DE1952A00566}" type="presOf" srcId="{7E02B19B-875F-A544-A785-D88B2972DDE2}" destId="{E797945E-918F-6E41-A389-074414482B95}" srcOrd="1" destOrd="0" presId="urn:microsoft.com/office/officeart/2005/8/layout/list1"/>
     <dgm:cxn modelId="{F66A517B-0622-1A48-B0CC-20E511680FEE}" type="presOf" srcId="{C399BD27-D357-1443-9020-38807989A8CC}" destId="{C52A3112-9275-E647-B322-8190539D2CD4}" srcOrd="0" destOrd="0" presId="urn:microsoft.com/office/officeart/2005/8/layout/list1"/>
     <dgm:cxn modelId="{74AE048C-83FB-6D48-BE36-2BBC6E21C8D3}" srcId="{27FFF153-B18B-1049-8198-600BBF2009C1}" destId="{D065AFE0-DFA7-E64B-B6A5-6336672DB48F}" srcOrd="0" destOrd="0" parTransId="{B0025B6C-1F37-A24D-A1CF-990557099C6B}" sibTransId="{CB41026F-478B-3440-8C1F-837B55D6EF06}"/>
     <dgm:cxn modelId="{A1E6DEAD-764F-C34E-9FD1-1E065DA69BDD}" type="presOf" srcId="{D065AFE0-DFA7-E64B-B6A5-6336672DB48F}" destId="{DA8DEF1D-1FFC-B545-B86C-EF553866F8A0}" srcOrd="0" destOrd="0" presId="urn:microsoft.com/office/officeart/2005/8/layout/list1"/>
     <dgm:cxn modelId="{C9F44CB4-1B64-9E49-961B-26D2AF9B20B4}" type="presOf" srcId="{C399BD27-D357-1443-9020-38807989A8CC}" destId="{3264E624-3FCC-FC40-88C1-C62FD866389B}" srcOrd="1" destOrd="0" presId="urn:microsoft.com/office/officeart/2005/8/layout/list1"/>
     <dgm:cxn modelId="{75FC30B7-2DC0-484F-8F27-4A101FB3E66B}" type="presOf" srcId="{27FFF153-B18B-1049-8198-600BBF2009C1}" destId="{C53B8CE9-F0E6-8841-BF75-C43244585974}" srcOrd="0" destOrd="0" presId="urn:microsoft.com/office/officeart/2005/8/layout/list1"/>
-    <dgm:cxn modelId="{67055BC2-49DC-1F4A-A241-0BCC1EBFDD30}" type="presOf" srcId="{7E02B19B-875F-A544-A785-D88B2972DDE2}" destId="{400F8658-789B-C845-90B7-2B345B4475CD}" srcOrd="0" destOrd="0" presId="urn:microsoft.com/office/officeart/2005/8/layout/list1"/>
     <dgm:cxn modelId="{02C137D8-F91D-8246-B04F-1DA5ABC1A345}" type="presOf" srcId="{D065AFE0-DFA7-E64B-B6A5-6336672DB48F}" destId="{CAF06BA8-A2F1-E442-BBD6-08BF3406B168}" srcOrd="1" destOrd="0" presId="urn:microsoft.com/office/officeart/2005/8/layout/list1"/>
     <dgm:cxn modelId="{8F35069B-559B-9D46-A887-E7C7909361CF}" type="presParOf" srcId="{C53B8CE9-F0E6-8841-BF75-C43244585974}" destId="{BC7EFF45-F75C-2B4C-A233-CACB5232A2D4}" srcOrd="0" destOrd="0" presId="urn:microsoft.com/office/officeart/2005/8/layout/list1"/>
     <dgm:cxn modelId="{58483471-68D1-0541-B04F-B8BA7F2FADDA}" type="presParOf" srcId="{BC7EFF45-F75C-2B4C-A233-CACB5232A2D4}" destId="{DA8DEF1D-1FFC-B545-B86C-EF553866F8A0}" srcOrd="0" destOrd="0" presId="urn:microsoft.com/office/officeart/2005/8/layout/list1"/>
@@ -1114,12 +1042,6 @@
     <dgm:cxn modelId="{0E9FCDBE-58C9-9D4A-A6DB-6F3CB41990B2}" type="presParOf" srcId="{EDF6ABB8-1597-C240-9A93-359FBFAAFD73}" destId="{3264E624-3FCC-FC40-88C1-C62FD866389B}" srcOrd="1" destOrd="0" presId="urn:microsoft.com/office/officeart/2005/8/layout/list1"/>
     <dgm:cxn modelId="{8058BCF5-20E6-C349-A39B-22FBBD5EF73F}" type="presParOf" srcId="{C53B8CE9-F0E6-8841-BF75-C43244585974}" destId="{7CB9972F-8648-724F-A9C3-8FCE8E4AE400}" srcOrd="5" destOrd="0" presId="urn:microsoft.com/office/officeart/2005/8/layout/list1"/>
     <dgm:cxn modelId="{D966C126-956C-CD44-B94A-9E2CCBB810DF}" type="presParOf" srcId="{C53B8CE9-F0E6-8841-BF75-C43244585974}" destId="{B087BACF-6553-BB48-90FE-2102D47A7346}" srcOrd="6" destOrd="0" presId="urn:microsoft.com/office/officeart/2005/8/layout/list1"/>
-    <dgm:cxn modelId="{902A1532-95C8-C544-AEED-145D46C03F3F}" type="presParOf" srcId="{C53B8CE9-F0E6-8841-BF75-C43244585974}" destId="{089692FB-49DF-E243-85A2-264AB79D2954}" srcOrd="7" destOrd="0" presId="urn:microsoft.com/office/officeart/2005/8/layout/list1"/>
-    <dgm:cxn modelId="{82D9B992-CDDE-E54D-A836-70DE601AAC51}" type="presParOf" srcId="{C53B8CE9-F0E6-8841-BF75-C43244585974}" destId="{9E8B8577-6224-E342-BB61-CD5D2DF2B86D}" srcOrd="8" destOrd="0" presId="urn:microsoft.com/office/officeart/2005/8/layout/list1"/>
-    <dgm:cxn modelId="{5D41130C-3711-0E42-B42A-C2C4B84E6DB5}" type="presParOf" srcId="{9E8B8577-6224-E342-BB61-CD5D2DF2B86D}" destId="{400F8658-789B-C845-90B7-2B345B4475CD}" srcOrd="0" destOrd="0" presId="urn:microsoft.com/office/officeart/2005/8/layout/list1"/>
-    <dgm:cxn modelId="{678A7B08-4D0F-A141-A987-F68D5EBF7709}" type="presParOf" srcId="{9E8B8577-6224-E342-BB61-CD5D2DF2B86D}" destId="{E797945E-918F-6E41-A389-074414482B95}" srcOrd="1" destOrd="0" presId="urn:microsoft.com/office/officeart/2005/8/layout/list1"/>
-    <dgm:cxn modelId="{430D57C9-DB18-3C40-A949-95D1F76B1C4F}" type="presParOf" srcId="{C53B8CE9-F0E6-8841-BF75-C43244585974}" destId="{162FA8A4-1BD1-FB4D-90A9-C520810EF94A}" srcOrd="9" destOrd="0" presId="urn:microsoft.com/office/officeart/2005/8/layout/list1"/>
-    <dgm:cxn modelId="{E6152024-FFC5-4C49-A5E1-A9BD5A6BD0A5}" type="presParOf" srcId="{C53B8CE9-F0E6-8841-BF75-C43244585974}" destId="{54E66740-26A5-664F-8C84-912884265702}" srcOrd="10" destOrd="0" presId="urn:microsoft.com/office/officeart/2005/8/layout/list1"/>
   </dgm:cxnLst>
   <dgm:bg/>
   <dgm:whole/>
@@ -1146,8 +1068,8 @@
       </dsp:nvSpPr>
       <dsp:spPr>
         <a:xfrm>
-          <a:off x="0" y="173420"/>
-          <a:ext cx="1885921" cy="226800"/>
+          <a:off x="0" y="321740"/>
+          <a:ext cx="1885921" cy="277200"/>
         </a:xfrm>
         <a:prstGeom prst="rect">
           <a:avLst/>
@@ -1195,8 +1117,8 @@
       </dsp:nvSpPr>
       <dsp:spPr>
         <a:xfrm>
-          <a:off x="94296" y="40580"/>
-          <a:ext cx="1320144" cy="265680"/>
+          <a:off x="94296" y="159380"/>
+          <a:ext cx="1320144" cy="324720"/>
         </a:xfrm>
         <a:prstGeom prst="roundRect">
           <a:avLst/>
@@ -1243,7 +1165,7 @@
         </a:bodyPr>
         <a:lstStyle/>
         <a:p>
-          <a:pPr marL="0" lvl="0" indent="0" algn="l" defTabSz="400050">
+          <a:pPr marL="0" lvl="0" indent="0" algn="l" defTabSz="488950">
             <a:lnSpc>
               <a:spcPct val="90000"/>
             </a:lnSpc>
@@ -1256,19 +1178,19 @@
             <a:buNone/>
           </a:pPr>
           <a:r>
-            <a:rPr lang="en-US" sz="900" kern="1200" dirty="0"/>
+            <a:rPr lang="en-US" sz="1100" kern="1200" dirty="0"/>
             <a:t>If lifetime </a:t>
           </a:r>
           <a:r>
-            <a:rPr lang="en-US" sz="900" kern="1200"/>
+            <a:rPr lang="en-US" sz="1100" kern="1200"/>
             <a:t>&lt; 3: aux-</a:t>
           </a:r>
-          <a:endParaRPr lang="en-US" sz="900" kern="1200" dirty="0"/>
+          <a:endParaRPr lang="en-US" sz="1100" kern="1200" dirty="0"/>
         </a:p>
       </dsp:txBody>
       <dsp:txXfrm>
-        <a:off x="107265" y="53549"/>
-        <a:ext cx="1294206" cy="239742"/>
+        <a:off x="110148" y="175232"/>
+        <a:ext cx="1288440" cy="293016"/>
       </dsp:txXfrm>
     </dsp:sp>
     <dsp:sp modelId="{B087BACF-6553-BB48-90FE-2102D47A7346}">
@@ -1278,8 +1200,8 @@
       </dsp:nvSpPr>
       <dsp:spPr>
         <a:xfrm>
-          <a:off x="0" y="581660"/>
-          <a:ext cx="1885921" cy="226800"/>
+          <a:off x="0" y="820700"/>
+          <a:ext cx="1885921" cy="277200"/>
         </a:xfrm>
         <a:prstGeom prst="rect">
           <a:avLst/>
@@ -1327,8 +1249,8 @@
       </dsp:nvSpPr>
       <dsp:spPr>
         <a:xfrm>
-          <a:off x="94296" y="448820"/>
-          <a:ext cx="1320144" cy="265680"/>
+          <a:off x="94296" y="658340"/>
+          <a:ext cx="1320144" cy="324720"/>
         </a:xfrm>
         <a:prstGeom prst="roundRect">
           <a:avLst/>
@@ -1375,7 +1297,7 @@
         </a:bodyPr>
         <a:lstStyle/>
         <a:p>
-          <a:pPr marL="0" lvl="0" indent="0" algn="l" defTabSz="400050">
+          <a:pPr marL="0" lvl="0" indent="0" algn="l" defTabSz="488950">
             <a:lnSpc>
               <a:spcPct val="90000"/>
             </a:lnSpc>
@@ -1388,141 +1310,14 @@
             <a:buNone/>
           </a:pPr>
           <a:r>
-            <a:rPr lang="en-US" sz="900" kern="1200" dirty="0"/>
+            <a:rPr lang="en-US" sz="1100" kern="1200" dirty="0"/>
             <a:t>If lifetime &gt; 10: aux+</a:t>
           </a:r>
         </a:p>
       </dsp:txBody>
       <dsp:txXfrm>
-        <a:off x="107265" y="461789"/>
-        <a:ext cx="1294206" cy="239742"/>
-      </dsp:txXfrm>
-    </dsp:sp>
-    <dsp:sp modelId="{54E66740-26A5-664F-8C84-912884265702}">
-      <dsp:nvSpPr>
-        <dsp:cNvPr id="0" name=""/>
-        <dsp:cNvSpPr/>
-      </dsp:nvSpPr>
-      <dsp:spPr>
-        <a:xfrm>
-          <a:off x="0" y="989900"/>
-          <a:ext cx="1885921" cy="226800"/>
-        </a:xfrm>
-        <a:prstGeom prst="rect">
-          <a:avLst/>
-        </a:prstGeom>
-        <a:solidFill>
-          <a:schemeClr val="lt1">
-            <a:alpha val="90000"/>
-            <a:hueOff val="0"/>
-            <a:satOff val="0"/>
-            <a:lumOff val="0"/>
-            <a:alphaOff val="0"/>
-          </a:schemeClr>
-        </a:solidFill>
-        <a:ln w="12700" cap="flat" cmpd="sng" algn="ctr">
-          <a:solidFill>
-            <a:schemeClr val="accent1">
-              <a:hueOff val="0"/>
-              <a:satOff val="0"/>
-              <a:lumOff val="0"/>
-              <a:alphaOff val="0"/>
-            </a:schemeClr>
-          </a:solidFill>
-          <a:prstDash val="solid"/>
-          <a:miter lim="800000"/>
-        </a:ln>
-        <a:effectLst/>
-      </dsp:spPr>
-      <dsp:style>
-        <a:lnRef idx="2">
-          <a:scrgbClr r="0" g="0" b="0"/>
-        </a:lnRef>
-        <a:fillRef idx="1">
-          <a:scrgbClr r="0" g="0" b="0"/>
-        </a:fillRef>
-        <a:effectRef idx="0">
-          <a:scrgbClr r="0" g="0" b="0"/>
-        </a:effectRef>
-        <a:fontRef idx="minor"/>
-      </dsp:style>
-    </dsp:sp>
-    <dsp:sp modelId="{E797945E-918F-6E41-A389-074414482B95}">
-      <dsp:nvSpPr>
-        <dsp:cNvPr id="0" name=""/>
-        <dsp:cNvSpPr/>
-      </dsp:nvSpPr>
-      <dsp:spPr>
-        <a:xfrm>
-          <a:off x="94296" y="857060"/>
-          <a:ext cx="1320144" cy="265680"/>
-        </a:xfrm>
-        <a:prstGeom prst="roundRect">
-          <a:avLst/>
-        </a:prstGeom>
-        <a:solidFill>
-          <a:schemeClr val="accent1">
-            <a:hueOff val="0"/>
-            <a:satOff val="0"/>
-            <a:lumOff val="0"/>
-            <a:alphaOff val="0"/>
-          </a:schemeClr>
-        </a:solidFill>
-        <a:ln w="12700" cap="flat" cmpd="sng" algn="ctr">
-          <a:solidFill>
-            <a:schemeClr val="lt1">
-              <a:hueOff val="0"/>
-              <a:satOff val="0"/>
-              <a:lumOff val="0"/>
-              <a:alphaOff val="0"/>
-            </a:schemeClr>
-          </a:solidFill>
-          <a:prstDash val="solid"/>
-          <a:miter lim="800000"/>
-        </a:ln>
-        <a:effectLst/>
-      </dsp:spPr>
-      <dsp:style>
-        <a:lnRef idx="2">
-          <a:scrgbClr r="0" g="0" b="0"/>
-        </a:lnRef>
-        <a:fillRef idx="1">
-          <a:scrgbClr r="0" g="0" b="0"/>
-        </a:fillRef>
-        <a:effectRef idx="0">
-          <a:scrgbClr r="0" g="0" b="0"/>
-        </a:effectRef>
-        <a:fontRef idx="minor">
-          <a:schemeClr val="lt1"/>
-        </a:fontRef>
-      </dsp:style>
-      <dsp:txBody>
-        <a:bodyPr spcFirstLastPara="0" vert="horz" wrap="square" lIns="49898" tIns="0" rIns="49898" bIns="0" numCol="1" spcCol="1270" anchor="ctr" anchorCtr="0">
-          <a:noAutofit/>
-        </a:bodyPr>
-        <a:lstStyle/>
-        <a:p>
-          <a:pPr marL="0" lvl="0" indent="0" algn="l" defTabSz="400050">
-            <a:lnSpc>
-              <a:spcPct val="90000"/>
-            </a:lnSpc>
-            <a:spcBef>
-              <a:spcPct val="0"/>
-            </a:spcBef>
-            <a:spcAft>
-              <a:spcPct val="35000"/>
-            </a:spcAft>
-            <a:buNone/>
-          </a:pPr>
-          <a:r>
-            <a:rPr lang="en-US" sz="900" kern="1200" dirty="0"/>
-            <a:t>If rise &lt; 10: aux-</a:t>
-          </a:r>
-        </a:p>
-      </dsp:txBody>
-      <dsp:txXfrm>
-        <a:off x="107265" y="870029"/>
-        <a:ext cx="1294206" cy="239742"/>
+        <a:off x="110148" y="674192"/>
+        <a:ext cx="1288440" cy="293016"/>
       </dsp:txXfrm>
     </dsp:sp>
   </dsp:spTree>
@@ -5665,7 +5460,7 @@
         </p:nvCxnSpPr>
         <p:spPr>
           <a:xfrm>
-            <a:off x="3034072" y="1045232"/>
+            <a:off x="3034072" y="1080857"/>
             <a:ext cx="590460" cy="1"/>
           </a:xfrm>
           <a:prstGeom prst="straightConnector1">
@@ -5704,7 +5499,7 @@
         </p:nvSpPr>
         <p:spPr>
           <a:xfrm>
-            <a:off x="691856" y="2606128"/>
+            <a:off x="691856" y="2641753"/>
             <a:ext cx="1769423" cy="369332"/>
           </a:xfrm>
           <a:prstGeom prst="rect">
@@ -5742,7 +5537,7 @@
         </p:nvSpPr>
         <p:spPr>
           <a:xfrm>
-            <a:off x="10070276" y="1086114"/>
+            <a:off x="10070276" y="1121739"/>
             <a:ext cx="1769423" cy="369332"/>
           </a:xfrm>
           <a:prstGeom prst="rect">
@@ -5788,7 +5583,7 @@
         </p:blipFill>
         <p:spPr>
           <a:xfrm>
-            <a:off x="6594763" y="2514601"/>
+            <a:off x="6594763" y="2550226"/>
             <a:ext cx="0" cy="0"/>
           </a:xfrm>
           <a:prstGeom prst="rect">
@@ -5818,7 +5613,7 @@
         </p:blipFill>
         <p:spPr>
           <a:xfrm>
-            <a:off x="6594763" y="2514601"/>
+            <a:off x="6594763" y="2550226"/>
             <a:ext cx="0" cy="0"/>
           </a:xfrm>
           <a:prstGeom prst="rect">
@@ -5848,7 +5643,7 @@
         </p:blipFill>
         <p:spPr>
           <a:xfrm>
-            <a:off x="6594763" y="2514601"/>
+            <a:off x="6594763" y="2550226"/>
             <a:ext cx="0" cy="0"/>
           </a:xfrm>
           <a:prstGeom prst="rect">
@@ -5878,7 +5673,7 @@
         </p:blipFill>
         <p:spPr>
           <a:xfrm>
-            <a:off x="6594763" y="2514601"/>
+            <a:off x="6594763" y="2550226"/>
             <a:ext cx="0" cy="0"/>
           </a:xfrm>
           <a:prstGeom prst="rect">
@@ -5908,7 +5703,7 @@
         </p:blipFill>
         <p:spPr>
           <a:xfrm rot="16200000">
-            <a:off x="220565" y="482156"/>
+            <a:off x="220565" y="517781"/>
             <a:ext cx="1995149" cy="1126151"/>
           </a:xfrm>
           <a:prstGeom prst="rect">
@@ -5938,7 +5733,7 @@
         </p:blipFill>
         <p:spPr>
           <a:xfrm rot="16200000">
-            <a:off x="566586" y="695787"/>
+            <a:off x="566586" y="731412"/>
             <a:ext cx="1995149" cy="1126151"/>
           </a:xfrm>
           <a:prstGeom prst="rect">
@@ -5968,7 +5763,7 @@
         </p:blipFill>
         <p:spPr>
           <a:xfrm>
-            <a:off x="3832168" y="261288"/>
+            <a:off x="3832168" y="296913"/>
             <a:ext cx="2278303" cy="2278303"/>
           </a:xfrm>
           <a:prstGeom prst="rect">
@@ -5998,7 +5793,7 @@
         </p:blipFill>
         <p:spPr>
           <a:xfrm rot="16200000">
-            <a:off x="1030253" y="909418"/>
+            <a:off x="1030253" y="945043"/>
             <a:ext cx="1995149" cy="1126151"/>
           </a:xfrm>
           <a:prstGeom prst="rect">
@@ -6020,7 +5815,7 @@
         </p:nvSpPr>
         <p:spPr>
           <a:xfrm>
-            <a:off x="2437929" y="1121619"/>
+            <a:off x="2437929" y="1157244"/>
             <a:ext cx="1769423" cy="646331"/>
           </a:xfrm>
           <a:prstGeom prst="rect">
@@ -6058,7 +5853,7 @@
         </p:nvSpPr>
         <p:spPr>
           <a:xfrm>
-            <a:off x="3832168" y="2606128"/>
+            <a:off x="3832168" y="2641753"/>
             <a:ext cx="2470045" cy="369332"/>
           </a:xfrm>
           <a:prstGeom prst="rect">
@@ -6116,7 +5911,7 @@
         </p:nvCxnSpPr>
         <p:spPr>
           <a:xfrm>
-            <a:off x="6221540" y="1045232"/>
+            <a:off x="6221540" y="1080857"/>
             <a:ext cx="590460" cy="1"/>
           </a:xfrm>
           <a:prstGeom prst="straightConnector1">
@@ -6155,7 +5950,7 @@
         </p:nvSpPr>
         <p:spPr>
           <a:xfrm>
-            <a:off x="5625397" y="1121618"/>
+            <a:off x="5625397" y="1157243"/>
             <a:ext cx="1769423" cy="369332"/>
           </a:xfrm>
           <a:prstGeom prst="rect">
@@ -6192,13 +5987,13 @@
           <p:nvPr>
             <p:extLst>
               <p:ext uri="{D42A27DB-BD31-4B8C-83A1-F6EECF244321}">
-                <p14:modId xmlns:p14="http://schemas.microsoft.com/office/powerpoint/2010/main" val="3350100467"/>
+                <p14:modId xmlns:p14="http://schemas.microsoft.com/office/powerpoint/2010/main" val="375728615"/>
               </p:ext>
             </p:extLst>
           </p:nvPr>
         </p:nvGraphicFramePr>
         <p:xfrm>
-          <a:off x="7118069" y="510668"/>
+          <a:off x="7118069" y="546293"/>
           <a:ext cx="1885921" cy="1257281"/>
         </p:xfrm>
         <a:graphic>
@@ -6221,7 +6016,7 @@
         </p:nvSpPr>
         <p:spPr>
           <a:xfrm>
-            <a:off x="7176317" y="1890894"/>
+            <a:off x="7157918" y="1859362"/>
             <a:ext cx="1769423" cy="646331"/>
           </a:xfrm>
           <a:prstGeom prst="rect">
@@ -6237,28 +6032,10 @@
           <a:p>
             <a:pPr algn="ctr"/>
             <a:r>
-              <a:rPr lang="en-US" dirty="0" err="1">
-                <a:latin typeface="Times" pitchFamily="2" charset="0"/>
-              </a:rPr>
-              <a:t>Clathrin</a:t>
-            </a:r>
-            <a:r>
               <a:rPr lang="en-US" dirty="0">
                 <a:latin typeface="Times" pitchFamily="2" charset="0"/>
               </a:rPr>
-              <a:t> + </a:t>
-            </a:r>
-            <a:r>
-              <a:rPr lang="en-US" dirty="0" err="1">
-                <a:latin typeface="Times" pitchFamily="2" charset="0"/>
-              </a:rPr>
-              <a:t>Auxilin</a:t>
-            </a:r>
-            <a:r>
-              <a:rPr lang="en-US" dirty="0">
-                <a:latin typeface="Times" pitchFamily="2" charset="0"/>
-              </a:rPr>
-              <a:t> Traces</a:t>
+              <a:t>Lifetime threshold</a:t>
             </a:r>
           </a:p>
         </p:txBody>
@@ -6279,7 +6056,7 @@
         </p:nvCxnSpPr>
         <p:spPr>
           <a:xfrm>
-            <a:off x="9141909" y="1045230"/>
+            <a:off x="9141909" y="1080855"/>
             <a:ext cx="590460" cy="1"/>
           </a:xfrm>
           <a:prstGeom prst="straightConnector1">
@@ -6318,7 +6095,7 @@
         </p:nvSpPr>
         <p:spPr>
           <a:xfrm>
-            <a:off x="8927341" y="1197210"/>
+            <a:off x="8927341" y="1232835"/>
             <a:ext cx="1257059" cy="646331"/>
           </a:xfrm>
           <a:prstGeom prst="rect">
@@ -6364,7 +6141,7 @@
         </p:blipFill>
         <p:spPr>
           <a:xfrm>
-            <a:off x="10148187" y="690128"/>
+            <a:off x="10148187" y="725753"/>
             <a:ext cx="1638300" cy="1231900"/>
           </a:xfrm>
           <a:prstGeom prst="rect">
@@ -6386,7 +6163,7 @@
         </p:nvSpPr>
         <p:spPr>
           <a:xfrm>
-            <a:off x="10070275" y="1933271"/>
+            <a:off x="10070275" y="1968896"/>
             <a:ext cx="1769423" cy="369332"/>
           </a:xfrm>
           <a:prstGeom prst="rect">
@@ -6406,6 +6183,158 @@
                 <a:latin typeface="Times" pitchFamily="2" charset="0"/>
               </a:rPr>
               <a:t>Full model</a:t>
+            </a:r>
+          </a:p>
+        </p:txBody>
+      </p:sp>
+      <p:sp>
+        <p:nvSpPr>
+          <p:cNvPr id="24" name="TextBox 23">
+            <a:extLst>
+              <a:ext uri="{FF2B5EF4-FFF2-40B4-BE49-F238E27FC236}">
+                <a16:creationId xmlns:a16="http://schemas.microsoft.com/office/drawing/2014/main" id="{0367CE22-5877-0641-A907-DC7045F21691}"/>
+              </a:ext>
+            </a:extLst>
+          </p:cNvPr>
+          <p:cNvSpPr txBox="1"/>
+          <p:nvPr/>
+        </p:nvSpPr>
+        <p:spPr>
+          <a:xfrm>
+            <a:off x="2265993" y="73181"/>
+            <a:ext cx="414528" cy="369332"/>
+          </a:xfrm>
+          <a:prstGeom prst="rect">
+            <a:avLst/>
+          </a:prstGeom>
+          <a:noFill/>
+        </p:spPr>
+        <p:txBody>
+          <a:bodyPr wrap="square" rtlCol="0">
+            <a:spAutoFit/>
+          </a:bodyPr>
+          <a:lstStyle/>
+          <a:p>
+            <a:pPr algn="ctr"/>
+            <a:r>
+              <a:rPr lang="en-US" b="1" dirty="0">
+                <a:latin typeface="Times" pitchFamily="2" charset="0"/>
+              </a:rPr>
+              <a:t>A</a:t>
+            </a:r>
+          </a:p>
+        </p:txBody>
+      </p:sp>
+      <p:sp>
+        <p:nvSpPr>
+          <p:cNvPr id="32" name="TextBox 31">
+            <a:extLst>
+              <a:ext uri="{FF2B5EF4-FFF2-40B4-BE49-F238E27FC236}">
+                <a16:creationId xmlns:a16="http://schemas.microsoft.com/office/drawing/2014/main" id="{A3F57BB9-BB3F-0E48-9C6A-0EF583998D9E}"/>
+              </a:ext>
+            </a:extLst>
+          </p:cNvPr>
+          <p:cNvSpPr txBox="1"/>
+          <p:nvPr/>
+        </p:nvSpPr>
+        <p:spPr>
+          <a:xfrm>
+            <a:off x="5958742" y="83281"/>
+            <a:ext cx="414528" cy="369332"/>
+          </a:xfrm>
+          <a:prstGeom prst="rect">
+            <a:avLst/>
+          </a:prstGeom>
+          <a:noFill/>
+        </p:spPr>
+        <p:txBody>
+          <a:bodyPr wrap="square" rtlCol="0">
+            <a:spAutoFit/>
+          </a:bodyPr>
+          <a:lstStyle/>
+          <a:p>
+            <a:pPr algn="ctr"/>
+            <a:r>
+              <a:rPr lang="en-US" b="1" dirty="0">
+                <a:latin typeface="Times" pitchFamily="2" charset="0"/>
+              </a:rPr>
+              <a:t>B</a:t>
+            </a:r>
+          </a:p>
+        </p:txBody>
+      </p:sp>
+      <p:sp>
+        <p:nvSpPr>
+          <p:cNvPr id="34" name="TextBox 33">
+            <a:extLst>
+              <a:ext uri="{FF2B5EF4-FFF2-40B4-BE49-F238E27FC236}">
+                <a16:creationId xmlns:a16="http://schemas.microsoft.com/office/drawing/2014/main" id="{9CC76446-DB1F-DC41-BE74-11A5942685A7}"/>
+              </a:ext>
+            </a:extLst>
+          </p:cNvPr>
+          <p:cNvSpPr txBox="1"/>
+          <p:nvPr/>
+        </p:nvSpPr>
+        <p:spPr>
+          <a:xfrm>
+            <a:off x="8589462" y="73181"/>
+            <a:ext cx="414528" cy="369332"/>
+          </a:xfrm>
+          <a:prstGeom prst="rect">
+            <a:avLst/>
+          </a:prstGeom>
+          <a:noFill/>
+        </p:spPr>
+        <p:txBody>
+          <a:bodyPr wrap="square" rtlCol="0">
+            <a:spAutoFit/>
+          </a:bodyPr>
+          <a:lstStyle/>
+          <a:p>
+            <a:pPr algn="ctr"/>
+            <a:r>
+              <a:rPr lang="en-US" b="1" dirty="0">
+                <a:latin typeface="Times" pitchFamily="2" charset="0"/>
+              </a:rPr>
+              <a:t>C</a:t>
+            </a:r>
+          </a:p>
+        </p:txBody>
+      </p:sp>
+      <p:sp>
+        <p:nvSpPr>
+          <p:cNvPr id="37" name="TextBox 36">
+            <a:extLst>
+              <a:ext uri="{FF2B5EF4-FFF2-40B4-BE49-F238E27FC236}">
+                <a16:creationId xmlns:a16="http://schemas.microsoft.com/office/drawing/2014/main" id="{745CC3D0-B305-5245-8740-C8FA8A2FCC4C}"/>
+              </a:ext>
+            </a:extLst>
+          </p:cNvPr>
+          <p:cNvSpPr txBox="1"/>
+          <p:nvPr/>
+        </p:nvSpPr>
+        <p:spPr>
+          <a:xfrm>
+            <a:off x="11432760" y="112246"/>
+            <a:ext cx="414528" cy="369332"/>
+          </a:xfrm>
+          <a:prstGeom prst="rect">
+            <a:avLst/>
+          </a:prstGeom>
+          <a:noFill/>
+        </p:spPr>
+        <p:txBody>
+          <a:bodyPr wrap="square" rtlCol="0">
+            <a:spAutoFit/>
+          </a:bodyPr>
+          <a:lstStyle/>
+          <a:p>
+            <a:pPr algn="ctr"/>
+            <a:r>
+              <a:rPr lang="en-US" b="1" dirty="0">
+                <a:latin typeface="Times" pitchFamily="2" charset="0"/>
+              </a:rPr>
+              <a:t>D</a:t>
             </a:r>
           </a:p>
         </p:txBody>
